--- a/docs/presentation.pptx
+++ b/docs/presentation.pptx
@@ -20,17 +20,16 @@
     <p:sldId id="265" r:id="rId15"/>
     <p:sldId id="266" r:id="rId16"/>
     <p:sldId id="267" r:id="rId17"/>
-    <p:sldId id="268" r:id="rId18"/>
   </p:sldIdLst>
   <p:sldSz cy="5143500" cx="9144000"/>
   <p:notesSz cx="6858000" cy="9144000"/>
   <p:embeddedFontLst>
     <p:embeddedFont>
       <p:font typeface="Roboto"/>
-      <p:regular r:id="rId19"/>
-      <p:bold r:id="rId20"/>
-      <p:italic r:id="rId21"/>
-      <p:boldItalic r:id="rId22"/>
+      <p:regular r:id="rId18"/>
+      <p:bold r:id="rId19"/>
+      <p:italic r:id="rId20"/>
+      <p:boldItalic r:id="rId21"/>
     </p:embeddedFont>
   </p:embeddedFontLst>
   <p:defaultTextStyle>
@@ -811,7 +810,7 @@
   <p:cSld>
     <p:spTree>
       <p:nvGrpSpPr>
-        <p:cNvPr id="113" name="Shape 113"/>
+        <p:cNvPr id="125" name="Shape 125"/>
         <p:cNvGrpSpPr/>
         <p:nvPr/>
       </p:nvGrpSpPr>
@@ -825,7 +824,7 @@
       </p:grpSpPr>
       <p:sp>
         <p:nvSpPr>
-          <p:cNvPr id="114" name="Google Shape;114;g32830d68509_0_54:notes"/>
+          <p:cNvPr id="126" name="Google Shape;126;g32830d68509_0_60:notes"/>
           <p:cNvSpPr/>
           <p:nvPr>
             <p:ph idx="2" type="sldImg"/>
@@ -860,7 +859,7 @@
       </p:sp>
       <p:sp>
         <p:nvSpPr>
-          <p:cNvPr id="115" name="Google Shape;115;g32830d68509_0_54:notes"/>
+          <p:cNvPr id="127" name="Google Shape;127;g32830d68509_0_60:notes"/>
           <p:cNvSpPr txBox="1"/>
           <p:nvPr>
             <p:ph idx="1" type="body"/>
@@ -910,7 +909,7 @@
   <p:cSld>
     <p:spTree>
       <p:nvGrpSpPr>
-        <p:cNvPr id="119" name="Shape 119"/>
+        <p:cNvPr id="131" name="Shape 131"/>
         <p:cNvGrpSpPr/>
         <p:nvPr/>
       </p:nvGrpSpPr>
@@ -924,7 +923,7 @@
       </p:grpSpPr>
       <p:sp>
         <p:nvSpPr>
-          <p:cNvPr id="120" name="Google Shape;120;g32830d68509_0_60:notes"/>
+          <p:cNvPr id="132" name="Google Shape;132;g32830d68509_0_66:notes"/>
           <p:cNvSpPr/>
           <p:nvPr>
             <p:ph idx="2" type="sldImg"/>
@@ -959,7 +958,7 @@
       </p:sp>
       <p:sp>
         <p:nvSpPr>
-          <p:cNvPr id="121" name="Google Shape;121;g32830d68509_0_60:notes"/>
+          <p:cNvPr id="133" name="Google Shape;133;g32830d68509_0_66:notes"/>
           <p:cNvSpPr txBox="1"/>
           <p:nvPr>
             <p:ph idx="1" type="body"/>
@@ -1009,7 +1008,7 @@
   <p:cSld>
     <p:spTree>
       <p:nvGrpSpPr>
-        <p:cNvPr id="125" name="Shape 125"/>
+        <p:cNvPr id="137" name="Shape 137"/>
         <p:cNvGrpSpPr/>
         <p:nvPr/>
       </p:nvGrpSpPr>
@@ -1023,7 +1022,7 @@
       </p:grpSpPr>
       <p:sp>
         <p:nvSpPr>
-          <p:cNvPr id="126" name="Google Shape;126;g32830d68509_0_66:notes"/>
+          <p:cNvPr id="138" name="Google Shape;138;g32830d68509_0_72:notes"/>
           <p:cNvSpPr/>
           <p:nvPr>
             <p:ph idx="2" type="sldImg"/>
@@ -1058,106 +1057,7 @@
       </p:sp>
       <p:sp>
         <p:nvSpPr>
-          <p:cNvPr id="127" name="Google Shape;127;g32830d68509_0_66:notes"/>
-          <p:cNvSpPr txBox="1"/>
-          <p:nvPr>
-            <p:ph idx="1" type="body"/>
-          </p:nvPr>
-        </p:nvSpPr>
-        <p:spPr>
-          <a:xfrm>
-            <a:off x="685800" y="4343400"/>
-            <a:ext cx="5486400" cy="4114800"/>
-          </a:xfrm>
-          <a:prstGeom prst="rect">
-            <a:avLst/>
-          </a:prstGeom>
-        </p:spPr>
-        <p:txBody>
-          <a:bodyPr anchorCtr="0" anchor="t" bIns="91425" lIns="91425" spcFirstLastPara="1" rIns="91425" wrap="square" tIns="91425">
-            <a:noAutofit/>
-          </a:bodyPr>
-          <a:lstStyle/>
-          <a:p>
-            <a:pPr indent="0" lvl="0" marL="0" rtl="0" algn="l">
-              <a:spcBef>
-                <a:spcPts val="0"/>
-              </a:spcBef>
-              <a:spcAft>
-                <a:spcPts val="0"/>
-              </a:spcAft>
-              <a:buNone/>
-            </a:pPr>
-            <a:r>
-              <a:t/>
-            </a:r>
-            <a:endParaRPr/>
-          </a:p>
-        </p:txBody>
-      </p:sp>
-    </p:spTree>
-  </p:cSld>
-  <p:clrMapOvr>
-    <a:masterClrMapping/>
-  </p:clrMapOvr>
-</p:notes>
-</file>
-
-<file path=ppt/notesSlides/notesSlide13.xml><?xml version="1.0" encoding="utf-8"?>
-<p:notes xmlns:a="http://schemas.openxmlformats.org/drawingml/2006/main" xmlns:r="http://schemas.openxmlformats.org/officeDocument/2006/relationships" xmlns:mc="http://schemas.openxmlformats.org/markup-compatibility/2006" xmlns:mv="urn:schemas-microsoft-com:mac:vml" xmlns:p="http://schemas.openxmlformats.org/presentationml/2006/main" xmlns:c="http://schemas.openxmlformats.org/drawingml/2006/chart" xmlns:dgm="http://schemas.openxmlformats.org/drawingml/2006/diagram" xmlns:o="urn:schemas-microsoft-com:office:office" xmlns:v="urn:schemas-microsoft-com:vml" xmlns:pvml="urn:schemas-microsoft-com:office:powerpoint" xmlns:com="http://schemas.openxmlformats.org/drawingml/2006/compatibility" xmlns:p14="http://schemas.microsoft.com/office/powerpoint/2010/main" xmlns:p15="http://schemas.microsoft.com/office/powerpoint/2012/main" xmlns:ahyp="http://schemas.microsoft.com/office/drawing/2018/hyperlinkcolor" showMasterPhAnim="0" showMasterSp="0">
-  <p:cSld>
-    <p:spTree>
-      <p:nvGrpSpPr>
-        <p:cNvPr id="131" name="Shape 131"/>
-        <p:cNvGrpSpPr/>
-        <p:nvPr/>
-      </p:nvGrpSpPr>
-      <p:grpSpPr>
-        <a:xfrm>
-          <a:off x="0" y="0"/>
-          <a:ext cx="0" cy="0"/>
-          <a:chOff x="0" y="0"/>
-          <a:chExt cx="0" cy="0"/>
-        </a:xfrm>
-      </p:grpSpPr>
-      <p:sp>
-        <p:nvSpPr>
-          <p:cNvPr id="132" name="Google Shape;132;g32830d68509_0_72:notes"/>
-          <p:cNvSpPr/>
-          <p:nvPr>
-            <p:ph idx="2" type="sldImg"/>
-          </p:nvPr>
-        </p:nvSpPr>
-        <p:spPr>
-          <a:xfrm>
-            <a:off x="381300" y="685800"/>
-            <a:ext cx="6096000" cy="3429000"/>
-          </a:xfrm>
-          <a:custGeom>
-            <a:rect b="b" l="l" r="r" t="t"/>
-            <a:pathLst>
-              <a:path extrusionOk="0" h="120000" w="120000">
-                <a:moveTo>
-                  <a:pt x="0" y="0"/>
-                </a:moveTo>
-                <a:lnTo>
-                  <a:pt x="120000" y="0"/>
-                </a:lnTo>
-                <a:lnTo>
-                  <a:pt x="120000" y="120000"/>
-                </a:lnTo>
-                <a:lnTo>
-                  <a:pt x="0" y="120000"/>
-                </a:lnTo>
-                <a:close/>
-              </a:path>
-            </a:pathLst>
-          </a:custGeom>
-        </p:spPr>
-      </p:sp>
-      <p:sp>
-        <p:nvSpPr>
-          <p:cNvPr id="133" name="Google Shape;133;g32830d68509_0_72:notes"/>
+          <p:cNvPr id="139" name="Google Shape;139;g32830d68509_0_72:notes"/>
           <p:cNvSpPr txBox="1"/>
           <p:nvPr>
             <p:ph idx="1" type="body"/>
@@ -1306,7 +1206,7 @@
   <p:cSld>
     <p:spTree>
       <p:nvGrpSpPr>
-        <p:cNvPr id="63" name="Shape 63"/>
+        <p:cNvPr id="64" name="Shape 64"/>
         <p:cNvGrpSpPr/>
         <p:nvPr/>
       </p:nvGrpSpPr>
@@ -1320,7 +1220,7 @@
       </p:grpSpPr>
       <p:sp>
         <p:nvSpPr>
-          <p:cNvPr id="64" name="Google Shape;64;g32830d68509_0_12:notes"/>
+          <p:cNvPr id="65" name="Google Shape;65;g32830d68509_0_12:notes"/>
           <p:cNvSpPr/>
           <p:nvPr>
             <p:ph idx="2" type="sldImg"/>
@@ -1355,7 +1255,7 @@
       </p:sp>
       <p:sp>
         <p:nvSpPr>
-          <p:cNvPr id="65" name="Google Shape;65;g32830d68509_0_12:notes"/>
+          <p:cNvPr id="66" name="Google Shape;66;g32830d68509_0_12:notes"/>
           <p:cNvSpPr txBox="1"/>
           <p:nvPr>
             <p:ph idx="1" type="body"/>
@@ -1405,7 +1305,7 @@
   <p:cSld>
     <p:spTree>
       <p:nvGrpSpPr>
-        <p:cNvPr id="70" name="Shape 70"/>
+        <p:cNvPr id="71" name="Shape 71"/>
         <p:cNvGrpSpPr/>
         <p:nvPr/>
       </p:nvGrpSpPr>
@@ -1419,7 +1319,7 @@
       </p:grpSpPr>
       <p:sp>
         <p:nvSpPr>
-          <p:cNvPr id="71" name="Google Shape;71;g32830d68509_0_18:notes"/>
+          <p:cNvPr id="72" name="Google Shape;72;g32830d68509_0_18:notes"/>
           <p:cNvSpPr/>
           <p:nvPr>
             <p:ph idx="2" type="sldImg"/>
@@ -1454,7 +1354,7 @@
       </p:sp>
       <p:sp>
         <p:nvSpPr>
-          <p:cNvPr id="72" name="Google Shape;72;g32830d68509_0_18:notes"/>
+          <p:cNvPr id="73" name="Google Shape;73;g32830d68509_0_18:notes"/>
           <p:cNvSpPr txBox="1"/>
           <p:nvPr>
             <p:ph idx="1" type="body"/>
@@ -1504,7 +1404,7 @@
   <p:cSld>
     <p:spTree>
       <p:nvGrpSpPr>
-        <p:cNvPr id="77" name="Shape 77"/>
+        <p:cNvPr id="78" name="Shape 78"/>
         <p:cNvGrpSpPr/>
         <p:nvPr/>
       </p:nvGrpSpPr>
@@ -1518,7 +1418,7 @@
       </p:grpSpPr>
       <p:sp>
         <p:nvSpPr>
-          <p:cNvPr id="78" name="Google Shape;78;g32830d68509_0_24:notes"/>
+          <p:cNvPr id="79" name="Google Shape;79;g32830d68509_0_24:notes"/>
           <p:cNvSpPr/>
           <p:nvPr>
             <p:ph idx="2" type="sldImg"/>
@@ -1553,7 +1453,7 @@
       </p:sp>
       <p:sp>
         <p:nvSpPr>
-          <p:cNvPr id="79" name="Google Shape;79;g32830d68509_0_24:notes"/>
+          <p:cNvPr id="80" name="Google Shape;80;g32830d68509_0_24:notes"/>
           <p:cNvSpPr txBox="1"/>
           <p:nvPr>
             <p:ph idx="1" type="body"/>
@@ -1603,7 +1503,7 @@
   <p:cSld>
     <p:spTree>
       <p:nvGrpSpPr>
-        <p:cNvPr id="83" name="Shape 83"/>
+        <p:cNvPr id="85" name="Shape 85"/>
         <p:cNvGrpSpPr/>
         <p:nvPr/>
       </p:nvGrpSpPr>
@@ -1617,7 +1517,7 @@
       </p:grpSpPr>
       <p:sp>
         <p:nvSpPr>
-          <p:cNvPr id="84" name="Google Shape;84;g32830d68509_0_30:notes"/>
+          <p:cNvPr id="86" name="Google Shape;86;g32830d68509_0_30:notes"/>
           <p:cNvSpPr/>
           <p:nvPr>
             <p:ph idx="2" type="sldImg"/>
@@ -1652,7 +1552,7 @@
       </p:sp>
       <p:sp>
         <p:nvSpPr>
-          <p:cNvPr id="85" name="Google Shape;85;g32830d68509_0_30:notes"/>
+          <p:cNvPr id="87" name="Google Shape;87;g32830d68509_0_30:notes"/>
           <p:cNvSpPr txBox="1"/>
           <p:nvPr>
             <p:ph idx="1" type="body"/>
@@ -1702,7 +1602,7 @@
   <p:cSld>
     <p:spTree>
       <p:nvGrpSpPr>
-        <p:cNvPr id="92" name="Shape 92"/>
+        <p:cNvPr id="95" name="Shape 95"/>
         <p:cNvGrpSpPr/>
         <p:nvPr/>
       </p:nvGrpSpPr>
@@ -1716,7 +1616,7 @@
       </p:grpSpPr>
       <p:sp>
         <p:nvSpPr>
-          <p:cNvPr id="93" name="Google Shape;93;g32830d68509_0_36:notes"/>
+          <p:cNvPr id="96" name="Google Shape;96;g32830d68509_0_36:notes"/>
           <p:cNvSpPr/>
           <p:nvPr>
             <p:ph idx="2" type="sldImg"/>
@@ -1751,7 +1651,7 @@
       </p:sp>
       <p:sp>
         <p:nvSpPr>
-          <p:cNvPr id="94" name="Google Shape;94;g32830d68509_0_36:notes"/>
+          <p:cNvPr id="97" name="Google Shape;97;g32830d68509_0_36:notes"/>
           <p:cNvSpPr txBox="1"/>
           <p:nvPr>
             <p:ph idx="1" type="body"/>
@@ -1801,7 +1701,7 @@
   <p:cSld>
     <p:spTree>
       <p:nvGrpSpPr>
-        <p:cNvPr id="99" name="Shape 99"/>
+        <p:cNvPr id="104" name="Shape 104"/>
         <p:cNvGrpSpPr/>
         <p:nvPr/>
       </p:nvGrpSpPr>
@@ -1815,7 +1715,7 @@
       </p:grpSpPr>
       <p:sp>
         <p:nvSpPr>
-          <p:cNvPr id="100" name="Google Shape;100;g32830d68509_0_43:notes"/>
+          <p:cNvPr id="105" name="Google Shape;105;g32830d68509_0_43:notes"/>
           <p:cNvSpPr/>
           <p:nvPr>
             <p:ph idx="2" type="sldImg"/>
@@ -1850,7 +1750,7 @@
       </p:sp>
       <p:sp>
         <p:nvSpPr>
-          <p:cNvPr id="101" name="Google Shape;101;g32830d68509_0_43:notes"/>
+          <p:cNvPr id="106" name="Google Shape;106;g32830d68509_0_43:notes"/>
           <p:cNvSpPr txBox="1"/>
           <p:nvPr>
             <p:ph idx="1" type="body"/>
@@ -1900,7 +1800,7 @@
   <p:cSld>
     <p:spTree>
       <p:nvGrpSpPr>
-        <p:cNvPr id="106" name="Shape 106"/>
+        <p:cNvPr id="119" name="Shape 119"/>
         <p:cNvGrpSpPr/>
         <p:nvPr/>
       </p:nvGrpSpPr>
@@ -1914,7 +1814,7 @@
       </p:grpSpPr>
       <p:sp>
         <p:nvSpPr>
-          <p:cNvPr id="107" name="Google Shape;107;g32830d68509_0_49:notes"/>
+          <p:cNvPr id="120" name="Google Shape;120;g32830d68509_0_54:notes"/>
           <p:cNvSpPr/>
           <p:nvPr>
             <p:ph idx="2" type="sldImg"/>
@@ -1949,7 +1849,7 @@
       </p:sp>
       <p:sp>
         <p:nvSpPr>
-          <p:cNvPr id="108" name="Google Shape;108;g32830d68509_0_49:notes"/>
+          <p:cNvPr id="121" name="Google Shape;121;g32830d68509_0_54:notes"/>
           <p:cNvSpPr txBox="1"/>
           <p:nvPr>
             <p:ph idx="1" type="body"/>
@@ -5388,7 +5288,7 @@
     <p:bg>
       <p:bgPr>
         <a:solidFill>
-          <a:schemeClr val="lt1"/>
+          <a:schemeClr val="accent2"/>
         </a:solidFill>
       </p:bgPr>
     </p:bg>
@@ -6695,10 +6595,10 @@
             <a:r>
               <a:rPr b="1" lang="ru" sz="5100">
                 <a:solidFill>
-                  <a:srgbClr val="222222"/>
+                  <a:schemeClr val="lt1"/>
                 </a:solidFill>
                 <a:highlight>
-                  <a:srgbClr val="FFFFFF"/>
+                  <a:schemeClr val="accent2"/>
                 </a:highlight>
                 <a:latin typeface="Roboto"/>
                 <a:ea typeface="Roboto"/>
@@ -6707,7 +6607,14 @@
               </a:rPr>
               <a:t>Space Invaders</a:t>
             </a:r>
-            <a:endParaRPr sz="5100"/>
+            <a:endParaRPr sz="5100">
+              <a:solidFill>
+                <a:schemeClr val="lt1"/>
+              </a:solidFill>
+              <a:highlight>
+                <a:schemeClr val="accent2"/>
+              </a:highlight>
+            </a:endParaRPr>
           </a:p>
         </p:txBody>
       </p:sp>
@@ -6744,10 +6651,18 @@
               <a:buNone/>
             </a:pPr>
             <a:r>
-              <a:rPr lang="ru" sz="1600"/>
+              <a:rPr lang="ru" sz="1600">
+                <a:solidFill>
+                  <a:srgbClr val="D9D9D9"/>
+                </a:solidFill>
+              </a:rPr>
               <a:t>Автор: Прийменко Ирина</a:t>
             </a:r>
-            <a:endParaRPr sz="1600"/>
+            <a:endParaRPr sz="1600">
+              <a:solidFill>
+                <a:srgbClr val="D9D9D9"/>
+              </a:solidFill>
+            </a:endParaRPr>
           </a:p>
         </p:txBody>
       </p:sp>
@@ -6787,10 +6702,10 @@
             <a:r>
               <a:rPr b="1" lang="ru" sz="2660">
                 <a:solidFill>
-                  <a:srgbClr val="222222"/>
+                  <a:schemeClr val="lt1"/>
                 </a:solidFill>
                 <a:highlight>
-                  <a:srgbClr val="FFFFFF"/>
+                  <a:schemeClr val="accent2"/>
                 </a:highlight>
                 <a:latin typeface="Roboto"/>
                 <a:ea typeface="Roboto"/>
@@ -6799,7 +6714,14 @@
               </a:rPr>
               <a:t>Новая угроза</a:t>
             </a:r>
-            <a:endParaRPr sz="2660"/>
+            <a:endParaRPr sz="2660">
+              <a:solidFill>
+                <a:schemeClr val="lt1"/>
+              </a:solidFill>
+              <a:highlight>
+                <a:schemeClr val="accent2"/>
+              </a:highlight>
+            </a:endParaRPr>
           </a:p>
         </p:txBody>
       </p:sp>
@@ -6816,7 +6738,7 @@
   <p:cSld>
     <p:spTree>
       <p:nvGrpSpPr>
-        <p:cNvPr id="116" name="Shape 116"/>
+        <p:cNvPr id="128" name="Shape 128"/>
         <p:cNvGrpSpPr/>
         <p:nvPr/>
       </p:nvGrpSpPr>
@@ -6830,7 +6752,7 @@
       </p:grpSpPr>
       <p:sp>
         <p:nvSpPr>
-          <p:cNvPr id="117" name="Google Shape;117;p22"/>
+          <p:cNvPr id="129" name="Google Shape;129;p22"/>
           <p:cNvSpPr txBox="1"/>
           <p:nvPr>
             <p:ph type="title"/>
@@ -6861,16 +6783,24 @@
               <a:buNone/>
             </a:pPr>
             <a:r>
-              <a:rPr lang="ru"/>
-              <a:t>Таблица результатов</a:t>
+              <a:rPr lang="ru">
+                <a:solidFill>
+                  <a:schemeClr val="lt1"/>
+                </a:solidFill>
+              </a:rPr>
+              <a:t>Архитектура</a:t>
             </a:r>
-            <a:endParaRPr/>
+            <a:endParaRPr>
+              <a:solidFill>
+                <a:schemeClr val="lt1"/>
+              </a:solidFill>
+            </a:endParaRPr>
           </a:p>
         </p:txBody>
       </p:sp>
       <p:sp>
         <p:nvSpPr>
-          <p:cNvPr id="118" name="Google Shape;118;p22"/>
+          <p:cNvPr id="130" name="Google Shape;130;p22"/>
           <p:cNvSpPr txBox="1"/>
           <p:nvPr>
             <p:ph idx="1" type="body"/>
@@ -6896,14 +6826,135 @@
                 <a:spcPts val="0"/>
               </a:spcBef>
               <a:spcAft>
-                <a:spcPts val="1200"/>
+                <a:spcPts val="0"/>
               </a:spcAft>
               <a:buNone/>
             </a:pPr>
             <a:r>
-              <a:t/>
+              <a:rPr lang="ru">
+                <a:solidFill>
+                  <a:srgbClr val="EFEFEF"/>
+                </a:solidFill>
+              </a:rPr>
+              <a:t>В проекте применяются </a:t>
             </a:r>
-            <a:endParaRPr/>
+            <a:r>
+              <a:rPr lang="ru">
+                <a:solidFill>
+                  <a:srgbClr val="EFEFEF"/>
+                </a:solidFill>
+              </a:rPr>
+              <a:t>шаблоны проектирования </a:t>
+            </a:r>
+            <a:r>
+              <a:rPr b="1" lang="ru">
+                <a:solidFill>
+                  <a:srgbClr val="EFEFEF"/>
+                </a:solidFill>
+              </a:rPr>
+              <a:t>game loop</a:t>
+            </a:r>
+            <a:r>
+              <a:rPr lang="ru">
+                <a:solidFill>
+                  <a:srgbClr val="EFEFEF"/>
+                </a:solidFill>
+              </a:rPr>
+              <a:t>, </a:t>
+            </a:r>
+            <a:r>
+              <a:rPr b="1" lang="ru">
+                <a:solidFill>
+                  <a:srgbClr val="EFEFEF"/>
+                </a:solidFill>
+              </a:rPr>
+              <a:t>event loop</a:t>
+            </a:r>
+            <a:r>
+              <a:rPr lang="ru">
+                <a:solidFill>
+                  <a:srgbClr val="EFEFEF"/>
+                </a:solidFill>
+              </a:rPr>
+              <a:t>, </a:t>
+            </a:r>
+            <a:r>
+              <a:rPr b="1" lang="ru">
+                <a:solidFill>
+                  <a:srgbClr val="EFEFEF"/>
+                </a:solidFill>
+              </a:rPr>
+              <a:t>time step </a:t>
+            </a:r>
+            <a:r>
+              <a:rPr lang="ru">
+                <a:solidFill>
+                  <a:srgbClr val="EFEFEF"/>
+                </a:solidFill>
+              </a:rPr>
+              <a:t>в сочетании с </a:t>
+            </a:r>
+            <a:r>
+              <a:rPr b="1" lang="ru">
+                <a:solidFill>
+                  <a:srgbClr val="EFEFEF"/>
+                </a:solidFill>
+              </a:rPr>
+              <a:t>методом update </a:t>
+            </a:r>
+            <a:r>
+              <a:rPr lang="ru">
+                <a:solidFill>
+                  <a:srgbClr val="EFEFEF"/>
+                </a:solidFill>
+              </a:rPr>
+              <a:t>(</a:t>
+            </a:r>
+            <a:r>
+              <a:rPr lang="ru">
+                <a:solidFill>
+                  <a:srgbClr val="EFEFEF"/>
+                </a:solidFill>
+              </a:rPr>
+              <a:t>у всех игровых объектов есть метод update, который отвечает за поведение этого объекта</a:t>
+            </a:r>
+            <a:r>
+              <a:rPr lang="ru">
+                <a:solidFill>
+                  <a:srgbClr val="EFEFEF"/>
+                </a:solidFill>
+              </a:rPr>
+              <a:t>).</a:t>
+            </a:r>
+            <a:endParaRPr>
+              <a:solidFill>
+                <a:srgbClr val="EFEFEF"/>
+              </a:solidFill>
+            </a:endParaRPr>
+          </a:p>
+          <a:p>
+            <a:pPr indent="0" lvl="0" marL="0" rtl="0" algn="l">
+              <a:spcBef>
+                <a:spcPts val="1200"/>
+              </a:spcBef>
+              <a:spcAft>
+                <a:spcPts val="1200"/>
+              </a:spcAft>
+              <a:buNone/>
+            </a:pPr>
+            <a:r>
+              <a:rPr lang="ru">
+                <a:solidFill>
+                  <a:srgbClr val="EFEFEF"/>
+                </a:solidFill>
+              </a:rPr>
+              <a:t>(нарисовать картинку)</a:t>
+            </a:r>
+            <a:endParaRPr>
+              <a:solidFill>
+                <a:srgbClr val="EFEFEF"/>
+              </a:solidFill>
+            </a:endParaRPr>
           </a:p>
         </p:txBody>
       </p:sp>
@@ -6920,7 +6971,7 @@
   <p:cSld>
     <p:spTree>
       <p:nvGrpSpPr>
-        <p:cNvPr id="122" name="Shape 122"/>
+        <p:cNvPr id="134" name="Shape 134"/>
         <p:cNvGrpSpPr/>
         <p:nvPr/>
       </p:nvGrpSpPr>
@@ -6934,7 +6985,7 @@
       </p:grpSpPr>
       <p:sp>
         <p:nvSpPr>
-          <p:cNvPr id="123" name="Google Shape;123;p23"/>
+          <p:cNvPr id="135" name="Google Shape;135;p23"/>
           <p:cNvSpPr txBox="1"/>
           <p:nvPr>
             <p:ph type="title"/>
@@ -6965,16 +7016,24 @@
               <a:buNone/>
             </a:pPr>
             <a:r>
-              <a:rPr lang="ru"/>
-              <a:t>Архитектура</a:t>
+              <a:rPr lang="ru">
+                <a:solidFill>
+                  <a:schemeClr val="lt1"/>
+                </a:solidFill>
+              </a:rPr>
+              <a:t>Схема классов</a:t>
             </a:r>
-            <a:endParaRPr/>
+            <a:endParaRPr>
+              <a:solidFill>
+                <a:schemeClr val="lt1"/>
+              </a:solidFill>
+            </a:endParaRPr>
           </a:p>
         </p:txBody>
       </p:sp>
       <p:sp>
         <p:nvSpPr>
-          <p:cNvPr id="124" name="Google Shape;124;p23"/>
+          <p:cNvPr id="136" name="Google Shape;136;p23"/>
           <p:cNvSpPr txBox="1"/>
           <p:nvPr>
             <p:ph idx="1" type="body"/>
@@ -7005,7 +7064,8 @@
               <a:buNone/>
             </a:pPr>
             <a:r>
-              <a:t/>
+              <a:rPr lang="ru"/>
+              <a:t>нарисовать картинку</a:t>
             </a:r>
             <a:endParaRPr/>
           </a:p>
@@ -7024,7 +7084,7 @@
   <p:cSld>
     <p:spTree>
       <p:nvGrpSpPr>
-        <p:cNvPr id="128" name="Shape 128"/>
+        <p:cNvPr id="140" name="Shape 140"/>
         <p:cNvGrpSpPr/>
         <p:nvPr/>
       </p:nvGrpSpPr>
@@ -7038,7 +7098,7 @@
       </p:grpSpPr>
       <p:sp>
         <p:nvSpPr>
-          <p:cNvPr id="129" name="Google Shape;129;p24"/>
+          <p:cNvPr id="141" name="Google Shape;141;p24"/>
           <p:cNvSpPr txBox="1"/>
           <p:nvPr>
             <p:ph type="title"/>
@@ -7069,16 +7129,24 @@
               <a:buNone/>
             </a:pPr>
             <a:r>
-              <a:rPr lang="ru"/>
-              <a:t>Схема классов</a:t>
+              <a:rPr lang="ru">
+                <a:solidFill>
+                  <a:schemeClr val="lt1"/>
+                </a:solidFill>
+              </a:rPr>
+              <a:t>Заключение</a:t>
             </a:r>
-            <a:endParaRPr/>
+            <a:endParaRPr>
+              <a:solidFill>
+                <a:schemeClr val="lt1"/>
+              </a:solidFill>
+            </a:endParaRPr>
           </a:p>
         </p:txBody>
       </p:sp>
       <p:sp>
         <p:nvSpPr>
-          <p:cNvPr id="130" name="Google Shape;130;p24"/>
+          <p:cNvPr id="142" name="Google Shape;142;p24"/>
           <p:cNvSpPr txBox="1"/>
           <p:nvPr>
             <p:ph idx="1" type="body"/>
@@ -7104,68 +7172,28 @@
                 <a:spcPts val="0"/>
               </a:spcBef>
               <a:spcAft>
-                <a:spcPts val="1200"/>
+                <a:spcPts val="0"/>
               </a:spcAft>
               <a:buNone/>
             </a:pPr>
             <a:r>
-              <a:t/>
+              <a:rPr lang="ru">
+                <a:solidFill>
+                  <a:srgbClr val="EFEFEF"/>
+                </a:solidFill>
+              </a:rPr>
+              <a:t>Работая над проектом я получила новый опыт проектирования игр. Также провела большую работу со звуковыми эффектами и музыкой.</a:t>
             </a:r>
-            <a:endParaRPr/>
+            <a:endParaRPr>
+              <a:solidFill>
+                <a:srgbClr val="EFEFEF"/>
+              </a:solidFill>
+            </a:endParaRPr>
           </a:p>
-        </p:txBody>
-      </p:sp>
-    </p:spTree>
-  </p:cSld>
-  <p:clrMapOvr>
-    <a:masterClrMapping/>
-  </p:clrMapOvr>
-</p:sld>
-</file>
-
-<file path=ppt/slides/slide13.xml><?xml version="1.0" encoding="utf-8"?>
-<p:sld xmlns:a="http://schemas.openxmlformats.org/drawingml/2006/main" xmlns:r="http://schemas.openxmlformats.org/officeDocument/2006/relationships" xmlns:mc="http://schemas.openxmlformats.org/markup-compatibility/2006" xmlns:mv="urn:schemas-microsoft-com:mac:vml" xmlns:p="http://schemas.openxmlformats.org/presentationml/2006/main" xmlns:c="http://schemas.openxmlformats.org/drawingml/2006/chart" xmlns:dgm="http://schemas.openxmlformats.org/drawingml/2006/diagram" xmlns:o="urn:schemas-microsoft-com:office:office" xmlns:v="urn:schemas-microsoft-com:vml" xmlns:pvml="urn:schemas-microsoft-com:office:powerpoint" xmlns:com="http://schemas.openxmlformats.org/drawingml/2006/compatibility" xmlns:p14="http://schemas.microsoft.com/office/powerpoint/2010/main" xmlns:p15="http://schemas.microsoft.com/office/powerpoint/2012/main" xmlns:ahyp="http://schemas.microsoft.com/office/drawing/2018/hyperlinkcolor">
-  <p:cSld>
-    <p:spTree>
-      <p:nvGrpSpPr>
-        <p:cNvPr id="134" name="Shape 134"/>
-        <p:cNvGrpSpPr/>
-        <p:nvPr/>
-      </p:nvGrpSpPr>
-      <p:grpSpPr>
-        <a:xfrm>
-          <a:off x="0" y="0"/>
-          <a:ext cx="0" cy="0"/>
-          <a:chOff x="0" y="0"/>
-          <a:chExt cx="0" cy="0"/>
-        </a:xfrm>
-      </p:grpSpPr>
-      <p:sp>
-        <p:nvSpPr>
-          <p:cNvPr id="135" name="Google Shape;135;p25"/>
-          <p:cNvSpPr txBox="1"/>
-          <p:nvPr>
-            <p:ph type="title"/>
-          </p:nvPr>
-        </p:nvSpPr>
-        <p:spPr>
-          <a:xfrm>
-            <a:off x="311700" y="445025"/>
-            <a:ext cx="8520600" cy="572700"/>
-          </a:xfrm>
-          <a:prstGeom prst="rect">
-            <a:avLst/>
-          </a:prstGeom>
-        </p:spPr>
-        <p:txBody>
-          <a:bodyPr anchorCtr="0" anchor="t" bIns="91425" lIns="91425" spcFirstLastPara="1" rIns="91425" wrap="square" tIns="91425">
-            <a:normAutofit fontScale="90000"/>
-          </a:bodyPr>
-          <a:lstStyle/>
           <a:p>
             <a:pPr indent="0" lvl="0" marL="0" rtl="0" algn="l">
               <a:spcBef>
-                <a:spcPts val="0"/>
+                <a:spcPts val="1200"/>
               </a:spcBef>
               <a:spcAft>
                 <a:spcPts val="0"/>
@@ -7173,39 +7201,23 @@
               <a:buNone/>
             </a:pPr>
             <a:r>
-              <a:rPr lang="ru"/>
-              <a:t>Заключение. Трудности и вызовы реализации</a:t>
+              <a:rPr lang="ru">
+                <a:solidFill>
+                  <a:srgbClr val="EFEFEF"/>
+                </a:solidFill>
+              </a:rPr>
+              <a:t>Дальнейшая работа над проектом может заключатся в точной настройке баланса уровня сложности. </a:t>
             </a:r>
-            <a:endParaRPr/>
+            <a:endParaRPr>
+              <a:solidFill>
+                <a:srgbClr val="EFEFEF"/>
+              </a:solidFill>
+            </a:endParaRPr>
           </a:p>
-        </p:txBody>
-      </p:sp>
-      <p:sp>
-        <p:nvSpPr>
-          <p:cNvPr id="136" name="Google Shape;136;p25"/>
-          <p:cNvSpPr txBox="1"/>
-          <p:nvPr>
-            <p:ph idx="1" type="body"/>
-          </p:nvPr>
-        </p:nvSpPr>
-        <p:spPr>
-          <a:xfrm>
-            <a:off x="311700" y="1152475"/>
-            <a:ext cx="8520600" cy="3416400"/>
-          </a:xfrm>
-          <a:prstGeom prst="rect">
-            <a:avLst/>
-          </a:prstGeom>
-        </p:spPr>
-        <p:txBody>
-          <a:bodyPr anchorCtr="0" anchor="t" bIns="91425" lIns="91425" spcFirstLastPara="1" rIns="91425" wrap="square" tIns="91425">
-            <a:normAutofit/>
-          </a:bodyPr>
-          <a:lstStyle/>
           <a:p>
             <a:pPr indent="0" lvl="0" marL="0" rtl="0" algn="l">
               <a:spcBef>
-                <a:spcPts val="0"/>
+                <a:spcPts val="1200"/>
               </a:spcBef>
               <a:spcAft>
                 <a:spcPts val="1200"/>
@@ -7213,9 +7225,18 @@
               <a:buNone/>
             </a:pPr>
             <a:r>
-              <a:t/>
+              <a:rPr lang="ru">
+                <a:solidFill>
+                  <a:srgbClr val="EFEFEF"/>
+                </a:solidFill>
+              </a:rPr>
+              <a:t>Ещё было бы здорово добавить сетевой режим для совместной игры.</a:t>
             </a:r>
-            <a:endParaRPr/>
+            <a:endParaRPr>
+              <a:solidFill>
+                <a:srgbClr val="EFEFEF"/>
+              </a:solidFill>
+            </a:endParaRPr>
           </a:p>
         </p:txBody>
       </p:sp>
@@ -7277,10 +7298,18 @@
               <a:buNone/>
             </a:pPr>
             <a:r>
-              <a:rPr lang="ru"/>
+              <a:rPr lang="ru">
+                <a:solidFill>
+                  <a:schemeClr val="lt1"/>
+                </a:solidFill>
+              </a:rPr>
               <a:t>Введение</a:t>
             </a:r>
-            <a:endParaRPr/>
+            <a:endParaRPr>
+              <a:solidFill>
+                <a:schemeClr val="lt1"/>
+              </a:solidFill>
+            </a:endParaRPr>
           </a:p>
         </p:txBody>
       </p:sp>
@@ -7294,8 +7323,8 @@
         </p:nvSpPr>
         <p:spPr>
           <a:xfrm>
-            <a:off x="311700" y="1152475"/>
-            <a:ext cx="8520600" cy="3416400"/>
+            <a:off x="207400" y="1179925"/>
+            <a:ext cx="3721500" cy="3416400"/>
           </a:xfrm>
           <a:prstGeom prst="rect">
             <a:avLst/>
@@ -7312,34 +7341,54 @@
                 <a:spcPts val="0"/>
               </a:spcBef>
               <a:spcAft>
-                <a:spcPts val="0"/>
+                <a:spcPts val="1200"/>
               </a:spcAft>
               <a:buNone/>
             </a:pPr>
             <a:r>
-              <a:rPr lang="ru"/>
-              <a:t>[Рассказать кратко о проекте, его идее, показать историю развития]</a:t>
+              <a:rPr lang="ru">
+                <a:solidFill>
+                  <a:srgbClr val="EFEFEF"/>
+                </a:solidFill>
+              </a:rPr>
+              <a:t>Space Invaders: "Новая угроза" — это современная интерпретация легендарной аркадной игры Space Invaders, созданной в 1978 году Томохиро Нисикадо.</a:t>
             </a:r>
-            <a:endParaRPr/>
-          </a:p>
-          <a:p>
-            <a:pPr indent="0" lvl="0" marL="0" rtl="0" algn="l">
-              <a:spcBef>
-                <a:spcPts val="1200"/>
-              </a:spcBef>
-              <a:spcAft>
-                <a:spcPts val="1200"/>
-              </a:spcAft>
-              <a:buNone/>
-            </a:pPr>
-            <a:r>
-              <a:rPr lang="ru"/>
-              <a:t>Space Invaders: "Новая угроза" — это современная интерпретация легендарной аркадной игры Space Invaders, созданной в 1978 году Томохиро Нисикадо. "Новая угроза" сохраняет дух оригинала, добавляя новые элементы, чтобы сделать игровой процесс еще более увлекательным и сложным. Вам предстоит противостоять инопланетному вторжению, используя всю свою ловкость и реакцию, ведь в этот раз у вас нет защитных барьеров</a:t>
-            </a:r>
-            <a:endParaRPr/>
+            <a:endParaRPr>
+              <a:solidFill>
+                <a:srgbClr val="EFEFEF"/>
+              </a:solidFill>
+            </a:endParaRPr>
           </a:p>
         </p:txBody>
       </p:sp>
+      <p:pic>
+        <p:nvPicPr>
+          <p:cNvPr id="63" name="Google Shape;63;p14"/>
+          <p:cNvPicPr preferRelativeResize="0"/>
+          <p:nvPr/>
+        </p:nvPicPr>
+        <p:blipFill>
+          <a:blip r:embed="rId3">
+            <a:alphaModFix/>
+          </a:blip>
+          <a:stretch>
+            <a:fillRect/>
+          </a:stretch>
+        </p:blipFill>
+        <p:spPr>
+          <a:xfrm>
+            <a:off x="3981900" y="928028"/>
+            <a:ext cx="4986276" cy="3739750"/>
+          </a:xfrm>
+          <a:prstGeom prst="rect">
+            <a:avLst/>
+          </a:prstGeom>
+          <a:noFill/>
+          <a:ln>
+            <a:noFill/>
+          </a:ln>
+        </p:spPr>
+      </p:pic>
     </p:spTree>
   </p:cSld>
   <p:clrMapOvr>
@@ -7353,7 +7402,7 @@
   <p:cSld>
     <p:spTree>
       <p:nvGrpSpPr>
-        <p:cNvPr id="66" name="Shape 66"/>
+        <p:cNvPr id="67" name="Shape 67"/>
         <p:cNvGrpSpPr/>
         <p:nvPr/>
       </p:nvGrpSpPr>
@@ -7367,7 +7416,7 @@
       </p:grpSpPr>
       <p:sp>
         <p:nvSpPr>
-          <p:cNvPr id="67" name="Google Shape;67;p15"/>
+          <p:cNvPr id="68" name="Google Shape;68;p15"/>
           <p:cNvSpPr txBox="1"/>
           <p:nvPr>
             <p:ph type="title"/>
@@ -7398,20 +7447,32 @@
               <a:buNone/>
             </a:pPr>
             <a:r>
-              <a:rPr lang="ru"/>
+              <a:rPr lang="ru">
+                <a:solidFill>
+                  <a:schemeClr val="lt1"/>
+                </a:solidFill>
+              </a:rPr>
               <a:t>Г</a:t>
             </a:r>
             <a:r>
-              <a:rPr lang="ru"/>
+              <a:rPr lang="ru">
+                <a:solidFill>
+                  <a:schemeClr val="lt1"/>
+                </a:solidFill>
+              </a:rPr>
               <a:t>лавное меню</a:t>
             </a:r>
-            <a:endParaRPr/>
+            <a:endParaRPr>
+              <a:solidFill>
+                <a:schemeClr val="lt1"/>
+              </a:solidFill>
+            </a:endParaRPr>
           </a:p>
         </p:txBody>
       </p:sp>
       <p:sp>
         <p:nvSpPr>
-          <p:cNvPr id="68" name="Google Shape;68;p15"/>
+          <p:cNvPr id="69" name="Google Shape;69;p15"/>
           <p:cNvSpPr txBox="1"/>
           <p:nvPr>
             <p:ph idx="1" type="body"/>
@@ -7420,7 +7481,7 @@
         <p:spPr>
           <a:xfrm>
             <a:off x="311700" y="1152475"/>
-            <a:ext cx="8520600" cy="3416400"/>
+            <a:ext cx="3666600" cy="3416400"/>
           </a:xfrm>
           <a:prstGeom prst="rect">
             <a:avLst/>
@@ -7437,20 +7498,101 @@
                 <a:spcPts val="0"/>
               </a:spcBef>
               <a:spcAft>
-                <a:spcPts val="1200"/>
+                <a:spcPts val="0"/>
               </a:spcAft>
               <a:buNone/>
             </a:pPr>
             <a:r>
-              <a:t/>
+              <a:rPr lang="ru">
+                <a:solidFill>
+                  <a:srgbClr val="EFEFEF"/>
+                </a:solidFill>
+              </a:rPr>
+              <a:t>Позволяет: </a:t>
             </a:r>
-            <a:endParaRPr/>
+            <a:endParaRPr>
+              <a:solidFill>
+                <a:srgbClr val="EFEFEF"/>
+              </a:solidFill>
+            </a:endParaRPr>
+          </a:p>
+          <a:p>
+            <a:pPr indent="0" lvl="0" marL="0" rtl="0" algn="l">
+              <a:spcBef>
+                <a:spcPts val="1200"/>
+              </a:spcBef>
+              <a:spcAft>
+                <a:spcPts val="0"/>
+              </a:spcAft>
+              <a:buNone/>
+            </a:pPr>
+            <a:r>
+              <a:rPr lang="ru">
+                <a:solidFill>
+                  <a:srgbClr val="EFEFEF"/>
+                </a:solidFill>
+              </a:rPr>
+              <a:t>Запустить игру для 1-го либо для 2-х игроков.</a:t>
+            </a:r>
+            <a:endParaRPr>
+              <a:solidFill>
+                <a:srgbClr val="EFEFEF"/>
+              </a:solidFill>
+            </a:endParaRPr>
+          </a:p>
+          <a:p>
+            <a:pPr indent="0" lvl="0" marL="0" rtl="0" algn="l">
+              <a:spcBef>
+                <a:spcPts val="1200"/>
+              </a:spcBef>
+              <a:spcAft>
+                <a:spcPts val="0"/>
+              </a:spcAft>
+              <a:buNone/>
+            </a:pPr>
+            <a:r>
+              <a:rPr lang="ru">
+                <a:solidFill>
+                  <a:srgbClr val="EFEFEF"/>
+                </a:solidFill>
+              </a:rPr>
+              <a:t>Посмотреть таблицу рекордов.</a:t>
+            </a:r>
+            <a:endParaRPr>
+              <a:solidFill>
+                <a:srgbClr val="EFEFEF"/>
+              </a:solidFill>
+            </a:endParaRPr>
+          </a:p>
+          <a:p>
+            <a:pPr indent="0" lvl="0" marL="0" rtl="0" algn="l">
+              <a:spcBef>
+                <a:spcPts val="1200"/>
+              </a:spcBef>
+              <a:spcAft>
+                <a:spcPts val="1200"/>
+              </a:spcAft>
+              <a:buNone/>
+            </a:pPr>
+            <a:r>
+              <a:rPr lang="ru">
+                <a:solidFill>
+                  <a:srgbClr val="EFEFEF"/>
+                </a:solidFill>
+              </a:rPr>
+              <a:t>На фоне меню - вид земли из космоса, а также анимация пришельцев, готовящихся к вторжению.</a:t>
+            </a:r>
+            <a:endParaRPr>
+              <a:solidFill>
+                <a:srgbClr val="EFEFEF"/>
+              </a:solidFill>
+            </a:endParaRPr>
           </a:p>
         </p:txBody>
       </p:sp>
       <p:pic>
         <p:nvPicPr>
-          <p:cNvPr id="69" name="Google Shape;69;p15"/>
+          <p:cNvPr id="70" name="Google Shape;70;p15"/>
           <p:cNvPicPr preferRelativeResize="0"/>
           <p:nvPr/>
         </p:nvPicPr>
@@ -7464,8 +7606,8 @@
         </p:blipFill>
         <p:spPr>
           <a:xfrm>
-            <a:off x="4845800" y="965450"/>
-            <a:ext cx="4051100" cy="3922424"/>
+            <a:off x="4251600" y="418663"/>
+            <a:ext cx="4580699" cy="4306176"/>
           </a:xfrm>
           <a:prstGeom prst="rect">
             <a:avLst/>
@@ -7489,7 +7631,7 @@
   <p:cSld>
     <p:spTree>
       <p:nvGrpSpPr>
-        <p:cNvPr id="73" name="Shape 73"/>
+        <p:cNvPr id="74" name="Shape 74"/>
         <p:cNvGrpSpPr/>
         <p:nvPr/>
       </p:nvGrpSpPr>
@@ -7503,7 +7645,7 @@
       </p:grpSpPr>
       <p:sp>
         <p:nvSpPr>
-          <p:cNvPr id="74" name="Google Shape;74;p16"/>
+          <p:cNvPr id="75" name="Google Shape;75;p16"/>
           <p:cNvSpPr txBox="1"/>
           <p:nvPr>
             <p:ph type="title"/>
@@ -7534,16 +7676,24 @@
               <a:buNone/>
             </a:pPr>
             <a:r>
-              <a:rPr lang="ru"/>
-              <a:t>Как выглядит игра</a:t>
+              <a:rPr lang="ru">
+                <a:solidFill>
+                  <a:schemeClr val="lt1"/>
+                </a:solidFill>
+              </a:rPr>
+              <a:t>Геймплей</a:t>
             </a:r>
-            <a:endParaRPr/>
+            <a:endParaRPr>
+              <a:solidFill>
+                <a:schemeClr val="lt1"/>
+              </a:solidFill>
+            </a:endParaRPr>
           </a:p>
         </p:txBody>
       </p:sp>
       <p:sp>
         <p:nvSpPr>
-          <p:cNvPr id="75" name="Google Shape;75;p16"/>
+          <p:cNvPr id="76" name="Google Shape;76;p16"/>
           <p:cNvSpPr txBox="1"/>
           <p:nvPr>
             <p:ph idx="1" type="body"/>
@@ -7552,7 +7702,7 @@
         <p:spPr>
           <a:xfrm>
             <a:off x="311700" y="1152475"/>
-            <a:ext cx="8520600" cy="3416400"/>
+            <a:ext cx="3952200" cy="3416400"/>
           </a:xfrm>
           <a:prstGeom prst="rect">
             <a:avLst/>
@@ -7569,20 +7719,101 @@
                 <a:spcPts val="0"/>
               </a:spcBef>
               <a:spcAft>
-                <a:spcPts val="1200"/>
+                <a:spcPts val="0"/>
               </a:spcAft>
               <a:buNone/>
             </a:pPr>
             <a:r>
-              <a:t/>
+              <a:rPr lang="ru">
+                <a:solidFill>
+                  <a:srgbClr val="EFEFEF"/>
+                </a:solidFill>
+              </a:rPr>
+              <a:t>Пришельцы наступают строем.</a:t>
             </a:r>
-            <a:endParaRPr/>
+            <a:endParaRPr>
+              <a:solidFill>
+                <a:srgbClr val="EFEFEF"/>
+              </a:solidFill>
+            </a:endParaRPr>
+          </a:p>
+          <a:p>
+            <a:pPr indent="0" lvl="0" marL="0" rtl="0" algn="l">
+              <a:spcBef>
+                <a:spcPts val="1200"/>
+              </a:spcBef>
+              <a:spcAft>
+                <a:spcPts val="0"/>
+              </a:spcAft>
+              <a:buNone/>
+            </a:pPr>
+            <a:r>
+              <a:rPr lang="ru">
+                <a:solidFill>
+                  <a:srgbClr val="EFEFEF"/>
+                </a:solidFill>
+              </a:rPr>
+              <a:t>На каждом уровне - новая волна: Меняется состав волны и повышается сложность.</a:t>
+            </a:r>
+            <a:endParaRPr>
+              <a:solidFill>
+                <a:srgbClr val="EFEFEF"/>
+              </a:solidFill>
+            </a:endParaRPr>
+          </a:p>
+          <a:p>
+            <a:pPr indent="0" lvl="0" marL="0" rtl="0" algn="l">
+              <a:spcBef>
+                <a:spcPts val="1200"/>
+              </a:spcBef>
+              <a:spcAft>
+                <a:spcPts val="0"/>
+              </a:spcAft>
+              <a:buNone/>
+            </a:pPr>
+            <a:r>
+              <a:rPr lang="ru">
+                <a:solidFill>
+                  <a:srgbClr val="EFEFEF"/>
+                </a:solidFill>
+              </a:rPr>
+              <a:t>Игроку необходимо уничтожить всех пришельцев.</a:t>
+            </a:r>
+            <a:endParaRPr>
+              <a:solidFill>
+                <a:srgbClr val="EFEFEF"/>
+              </a:solidFill>
+            </a:endParaRPr>
+          </a:p>
+          <a:p>
+            <a:pPr indent="0" lvl="0" marL="0" rtl="0" algn="l">
+              <a:spcBef>
+                <a:spcPts val="1200"/>
+              </a:spcBef>
+              <a:spcAft>
+                <a:spcPts val="1200"/>
+              </a:spcAft>
+              <a:buNone/>
+            </a:pPr>
+            <a:r>
+              <a:rPr lang="ru">
+                <a:solidFill>
+                  <a:srgbClr val="EFEFEF"/>
+                </a:solidFill>
+              </a:rPr>
+              <a:t>Пришельцы также стреляют по игроку.</a:t>
+            </a:r>
+            <a:endParaRPr>
+              <a:solidFill>
+                <a:srgbClr val="EFEFEF"/>
+              </a:solidFill>
+            </a:endParaRPr>
           </a:p>
         </p:txBody>
       </p:sp>
       <p:pic>
         <p:nvPicPr>
-          <p:cNvPr id="76" name="Google Shape;76;p16"/>
+          <p:cNvPr id="77" name="Google Shape;77;p16"/>
           <p:cNvPicPr preferRelativeResize="0"/>
           <p:nvPr/>
         </p:nvPicPr>
@@ -7596,8 +7827,8 @@
         </p:blipFill>
         <p:spPr>
           <a:xfrm>
-            <a:off x="4854151" y="918575"/>
-            <a:ext cx="3978149" cy="3884200"/>
+            <a:off x="4492817" y="453250"/>
+            <a:ext cx="4339484" cy="4237000"/>
           </a:xfrm>
           <a:prstGeom prst="rect">
             <a:avLst/>
@@ -7621,7 +7852,7 @@
   <p:cSld>
     <p:spTree>
       <p:nvGrpSpPr>
-        <p:cNvPr id="80" name="Shape 80"/>
+        <p:cNvPr id="81" name="Shape 81"/>
         <p:cNvGrpSpPr/>
         <p:nvPr/>
       </p:nvGrpSpPr>
@@ -7635,7 +7866,7 @@
       </p:grpSpPr>
       <p:sp>
         <p:nvSpPr>
-          <p:cNvPr id="81" name="Google Shape;81;p17"/>
+          <p:cNvPr id="82" name="Google Shape;82;p17"/>
           <p:cNvSpPr txBox="1"/>
           <p:nvPr>
             <p:ph type="title"/>
@@ -7666,16 +7897,52 @@
               <a:buNone/>
             </a:pPr>
             <a:r>
-              <a:rPr lang="ru"/>
+              <a:rPr lang="ru">
+                <a:solidFill>
+                  <a:schemeClr val="lt1"/>
+                </a:solidFill>
+              </a:rPr>
               <a:t>Механика уровня</a:t>
             </a:r>
-            <a:endParaRPr/>
+            <a:endParaRPr>
+              <a:solidFill>
+                <a:schemeClr val="lt1"/>
+              </a:solidFill>
+            </a:endParaRPr>
           </a:p>
         </p:txBody>
       </p:sp>
+      <p:pic>
+        <p:nvPicPr>
+          <p:cNvPr id="83" name="Google Shape;83;p17"/>
+          <p:cNvPicPr preferRelativeResize="0"/>
+          <p:nvPr/>
+        </p:nvPicPr>
+        <p:blipFill>
+          <a:blip r:embed="rId3">
+            <a:alphaModFix/>
+          </a:blip>
+          <a:stretch>
+            <a:fillRect/>
+          </a:stretch>
+        </p:blipFill>
+        <p:spPr>
+          <a:xfrm>
+            <a:off x="4313700" y="368175"/>
+            <a:ext cx="4577674" cy="4323375"/>
+          </a:xfrm>
+          <a:prstGeom prst="rect">
+            <a:avLst/>
+          </a:prstGeom>
+          <a:noFill/>
+          <a:ln>
+            <a:noFill/>
+          </a:ln>
+        </p:spPr>
+      </p:pic>
       <p:sp>
         <p:nvSpPr>
-          <p:cNvPr id="82" name="Google Shape;82;p17"/>
+          <p:cNvPr id="84" name="Google Shape;84;p17"/>
           <p:cNvSpPr txBox="1"/>
           <p:nvPr>
             <p:ph idx="1" type="body"/>
@@ -7684,7 +7951,7 @@
         <p:spPr>
           <a:xfrm>
             <a:off x="311700" y="1152475"/>
-            <a:ext cx="8520600" cy="3416400"/>
+            <a:ext cx="3792900" cy="3416400"/>
           </a:xfrm>
           <a:prstGeom prst="rect">
             <a:avLst/>
@@ -7701,14 +7968,71 @@
                 <a:spcPts val="0"/>
               </a:spcBef>
               <a:spcAft>
-                <a:spcPts val="1200"/>
+                <a:spcPts val="0"/>
               </a:spcAft>
               <a:buNone/>
             </a:pPr>
             <a:r>
-              <a:t/>
+              <a:rPr lang="ru">
+                <a:solidFill>
+                  <a:srgbClr val="EFEFEF"/>
+                </a:solidFill>
+              </a:rPr>
+              <a:t>Строй пришельцев появляется слева вверху и двигается горизонтально от края до края, касаясь края строй пришельцев спускается вниз.</a:t>
             </a:r>
-            <a:endParaRPr/>
+            <a:endParaRPr>
+              <a:solidFill>
+                <a:srgbClr val="EFEFEF"/>
+              </a:solidFill>
+            </a:endParaRPr>
+          </a:p>
+          <a:p>
+            <a:pPr indent="0" lvl="0" marL="0" rtl="0" algn="l">
+              <a:spcBef>
+                <a:spcPts val="1200"/>
+              </a:spcBef>
+              <a:spcAft>
+                <a:spcPts val="0"/>
+              </a:spcAft>
+              <a:buNone/>
+            </a:pPr>
+            <a:r>
+              <a:rPr lang="ru">
+                <a:solidFill>
+                  <a:srgbClr val="EFEFEF"/>
+                </a:solidFill>
+              </a:rPr>
+              <a:t>Если строй достигает игрока, то игра завершается поражением.</a:t>
+            </a:r>
+            <a:endParaRPr>
+              <a:solidFill>
+                <a:srgbClr val="EFEFEF"/>
+              </a:solidFill>
+            </a:endParaRPr>
+          </a:p>
+          <a:p>
+            <a:pPr indent="0" lvl="0" marL="0" rtl="0" algn="l">
+              <a:spcBef>
+                <a:spcPts val="1200"/>
+              </a:spcBef>
+              <a:spcAft>
+                <a:spcPts val="1200"/>
+              </a:spcAft>
+              <a:buNone/>
+            </a:pPr>
+            <a:r>
+              <a:rPr lang="ru">
+                <a:solidFill>
+                  <a:srgbClr val="EFEFEF"/>
+                </a:solidFill>
+              </a:rPr>
+              <a:t>Игрок также теряет жизнь если пришелец попадёт в него.</a:t>
+            </a:r>
+            <a:endParaRPr>
+              <a:solidFill>
+                <a:srgbClr val="EFEFEF"/>
+              </a:solidFill>
+            </a:endParaRPr>
           </a:p>
         </p:txBody>
       </p:sp>
@@ -7725,7 +8049,7 @@
   <p:cSld>
     <p:spTree>
       <p:nvGrpSpPr>
-        <p:cNvPr id="86" name="Shape 86"/>
+        <p:cNvPr id="88" name="Shape 88"/>
         <p:cNvGrpSpPr/>
         <p:nvPr/>
       </p:nvGrpSpPr>
@@ -7739,7 +8063,7 @@
       </p:grpSpPr>
       <p:sp>
         <p:nvSpPr>
-          <p:cNvPr id="87" name="Google Shape;87;p18"/>
+          <p:cNvPr id="89" name="Google Shape;89;p18"/>
           <p:cNvSpPr txBox="1"/>
           <p:nvPr>
             <p:ph type="title"/>
@@ -7770,16 +8094,24 @@
               <a:buNone/>
             </a:pPr>
             <a:r>
-              <a:rPr lang="ru"/>
+              <a:rPr lang="ru">
+                <a:solidFill>
+                  <a:schemeClr val="lt1"/>
+                </a:solidFill>
+              </a:rPr>
               <a:t>Виды пришельцев </a:t>
             </a:r>
-            <a:endParaRPr/>
+            <a:endParaRPr>
+              <a:solidFill>
+                <a:schemeClr val="lt1"/>
+              </a:solidFill>
+            </a:endParaRPr>
           </a:p>
         </p:txBody>
       </p:sp>
       <p:sp>
         <p:nvSpPr>
-          <p:cNvPr id="88" name="Google Shape;88;p18"/>
+          <p:cNvPr id="90" name="Google Shape;90;p18"/>
           <p:cNvSpPr txBox="1"/>
           <p:nvPr>
             <p:ph idx="1" type="body"/>
@@ -7788,7 +8120,7 @@
         <p:spPr>
           <a:xfrm>
             <a:off x="311700" y="1152475"/>
-            <a:ext cx="8520600" cy="3416400"/>
+            <a:ext cx="8520600" cy="3733500"/>
           </a:xfrm>
           <a:prstGeom prst="rect">
             <a:avLst/>
@@ -7805,21 +8137,177 @@
                 <a:spcPts val="0"/>
               </a:spcBef>
               <a:spcAft>
-                <a:spcPts val="1200"/>
+                <a:spcPts val="0"/>
               </a:spcAft>
               <a:buNone/>
             </a:pPr>
             <a:r>
-              <a:rPr lang="ru"/>
-              <a:t>Рядовые пришельцы</a:t>
+              <a:rPr lang="ru">
+                <a:solidFill>
+                  <a:srgbClr val="EFEFEF"/>
+                </a:solidFill>
+              </a:rPr>
+              <a:t>Рядовые пришельцы - отличаются видом сбрасываемых снарядов.</a:t>
             </a:r>
-            <a:endParaRPr/>
+            <a:endParaRPr>
+              <a:solidFill>
+                <a:srgbClr val="EFEFEF"/>
+              </a:solidFill>
+            </a:endParaRPr>
+          </a:p>
+          <a:p>
+            <a:pPr indent="0" lvl="0" marL="0" rtl="0" algn="l">
+              <a:spcBef>
+                <a:spcPts val="1200"/>
+              </a:spcBef>
+              <a:spcAft>
+                <a:spcPts val="0"/>
+              </a:spcAft>
+              <a:buNone/>
+            </a:pPr>
+            <a:r>
+              <a:t/>
+            </a:r>
+            <a:endParaRPr>
+              <a:solidFill>
+                <a:srgbClr val="EFEFEF"/>
+              </a:solidFill>
+            </a:endParaRPr>
+          </a:p>
+          <a:p>
+            <a:pPr indent="0" lvl="0" marL="0" rtl="0" algn="l">
+              <a:spcBef>
+                <a:spcPts val="1200"/>
+              </a:spcBef>
+              <a:spcAft>
+                <a:spcPts val="0"/>
+              </a:spcAft>
+              <a:buNone/>
+            </a:pPr>
+            <a:r>
+              <a:t/>
+            </a:r>
+            <a:endParaRPr>
+              <a:solidFill>
+                <a:srgbClr val="EFEFEF"/>
+              </a:solidFill>
+            </a:endParaRPr>
+          </a:p>
+          <a:p>
+            <a:pPr indent="0" lvl="0" marL="0" rtl="0" algn="l">
+              <a:spcBef>
+                <a:spcPts val="1200"/>
+              </a:spcBef>
+              <a:spcAft>
+                <a:spcPts val="0"/>
+              </a:spcAft>
+              <a:buNone/>
+            </a:pPr>
+            <a:r>
+              <a:rPr lang="ru">
+                <a:solidFill>
+                  <a:srgbClr val="EFEFEF"/>
+                </a:solidFill>
+              </a:rPr>
+              <a:t>От одних уклонится легко - от других сложнее. </a:t>
+            </a:r>
+            <a:endParaRPr>
+              <a:solidFill>
+                <a:srgbClr val="EFEFEF"/>
+              </a:solidFill>
+            </a:endParaRPr>
+          </a:p>
+          <a:p>
+            <a:pPr indent="0" lvl="0" marL="0" rtl="0" algn="l">
+              <a:spcBef>
+                <a:spcPts val="1200"/>
+              </a:spcBef>
+              <a:spcAft>
+                <a:spcPts val="0"/>
+              </a:spcAft>
+              <a:buNone/>
+            </a:pPr>
+            <a:r>
+              <a:rPr lang="ru">
+                <a:solidFill>
+                  <a:srgbClr val="EFEFEF"/>
+                </a:solidFill>
+              </a:rPr>
+              <a:t>Тяжелая артиллерия пришельцев:</a:t>
+            </a:r>
+            <a:endParaRPr>
+              <a:solidFill>
+                <a:srgbClr val="EFEFEF"/>
+              </a:solidFill>
+            </a:endParaRPr>
+          </a:p>
+          <a:p>
+            <a:pPr indent="0" lvl="0" marL="0" rtl="0" algn="l">
+              <a:spcBef>
+                <a:spcPts val="1200"/>
+              </a:spcBef>
+              <a:spcAft>
+                <a:spcPts val="0"/>
+              </a:spcAft>
+              <a:buNone/>
+            </a:pPr>
+            <a:r>
+              <a:t/>
+            </a:r>
+            <a:endParaRPr>
+              <a:solidFill>
+                <a:srgbClr val="EFEFEF"/>
+              </a:solidFill>
+            </a:endParaRPr>
+          </a:p>
+          <a:p>
+            <a:pPr indent="0" lvl="0" marL="0" rtl="0" algn="l">
+              <a:spcBef>
+                <a:spcPts val="1200"/>
+              </a:spcBef>
+              <a:spcAft>
+                <a:spcPts val="0"/>
+              </a:spcAft>
+              <a:buNone/>
+            </a:pPr>
+            <a:r>
+              <a:t/>
+            </a:r>
+            <a:endParaRPr>
+              <a:solidFill>
+                <a:srgbClr val="EFEFEF"/>
+              </a:solidFill>
+            </a:endParaRPr>
+          </a:p>
+          <a:p>
+            <a:pPr indent="0" lvl="0" marL="0" rtl="0" algn="l">
+              <a:spcBef>
+                <a:spcPts val="1200"/>
+              </a:spcBef>
+              <a:spcAft>
+                <a:spcPts val="1200"/>
+              </a:spcAft>
+              <a:buNone/>
+            </a:pPr>
+            <a:r>
+              <a:rPr lang="ru">
+                <a:solidFill>
+                  <a:srgbClr val="EFEFEF"/>
+                </a:solidFill>
+              </a:rPr>
+              <a:t>Всегда находится на задних рядах, атакует из-за спин союзников</a:t>
+            </a:r>
+            <a:endParaRPr>
+              <a:solidFill>
+                <a:srgbClr val="EFEFEF"/>
+              </a:solidFill>
+            </a:endParaRPr>
           </a:p>
         </p:txBody>
       </p:sp>
       <p:pic>
         <p:nvPicPr>
-          <p:cNvPr id="89" name="Google Shape;89;p18"/>
+          <p:cNvPr id="91" name="Google Shape;91;p18"/>
           <p:cNvPicPr preferRelativeResize="0"/>
           <p:nvPr/>
         </p:nvPicPr>
@@ -7847,7 +8335,7 @@
       </p:pic>
       <p:pic>
         <p:nvPicPr>
-          <p:cNvPr id="90" name="Google Shape;90;p18"/>
+          <p:cNvPr id="92" name="Google Shape;92;p18"/>
           <p:cNvPicPr preferRelativeResize="0"/>
           <p:nvPr/>
         </p:nvPicPr>
@@ -7861,8 +8349,8 @@
         </p:blipFill>
         <p:spPr>
           <a:xfrm>
-            <a:off x="1503000" y="1735950"/>
-            <a:ext cx="889275" cy="691609"/>
+            <a:off x="2469350" y="1735925"/>
+            <a:ext cx="889268" cy="691650"/>
           </a:xfrm>
           <a:prstGeom prst="rect">
             <a:avLst/>
@@ -7875,7 +8363,7 @@
       </p:pic>
       <p:pic>
         <p:nvPicPr>
-          <p:cNvPr id="91" name="Google Shape;91;p18"/>
+          <p:cNvPr id="93" name="Google Shape;93;p18"/>
           <p:cNvPicPr preferRelativeResize="0"/>
           <p:nvPr/>
         </p:nvPicPr>
@@ -7889,8 +8377,36 @@
         </p:blipFill>
         <p:spPr>
           <a:xfrm>
-            <a:off x="2469350" y="1735925"/>
-            <a:ext cx="889268" cy="691650"/>
+            <a:off x="1494750" y="1735935"/>
+            <a:ext cx="889275" cy="691640"/>
+          </a:xfrm>
+          <a:prstGeom prst="rect">
+            <a:avLst/>
+          </a:prstGeom>
+          <a:noFill/>
+          <a:ln>
+            <a:noFill/>
+          </a:ln>
+        </p:spPr>
+      </p:pic>
+      <p:pic>
+        <p:nvPicPr>
+          <p:cNvPr id="94" name="Google Shape;94;p18"/>
+          <p:cNvPicPr preferRelativeResize="0"/>
+          <p:nvPr/>
+        </p:nvPicPr>
+        <p:blipFill>
+          <a:blip r:embed="rId6">
+            <a:alphaModFix/>
+          </a:blip>
+          <a:stretch>
+            <a:fillRect/>
+          </a:stretch>
+        </p:blipFill>
+        <p:spPr>
+          <a:xfrm>
+            <a:off x="495725" y="3636649"/>
+            <a:ext cx="1540507" cy="691650"/>
           </a:xfrm>
           <a:prstGeom prst="rect">
             <a:avLst/>
@@ -7914,7 +8430,7 @@
   <p:cSld>
     <p:spTree>
       <p:nvGrpSpPr>
-        <p:cNvPr id="95" name="Shape 95"/>
+        <p:cNvPr id="98" name="Shape 98"/>
         <p:cNvGrpSpPr/>
         <p:nvPr/>
       </p:nvGrpSpPr>
@@ -7928,7 +8444,7 @@
       </p:grpSpPr>
       <p:sp>
         <p:nvSpPr>
-          <p:cNvPr id="96" name="Google Shape;96;p19"/>
+          <p:cNvPr id="99" name="Google Shape;99;p19"/>
           <p:cNvSpPr txBox="1"/>
           <p:nvPr>
             <p:ph type="title"/>
@@ -7956,19 +8472,75 @@
               <a:spcAft>
                 <a:spcPts val="0"/>
               </a:spcAft>
+              <a:buClr>
+                <a:schemeClr val="dk1"/>
+              </a:buClr>
+              <a:buSzPct val="39285"/>
+              <a:buFont typeface="Arial"/>
               <a:buNone/>
             </a:pPr>
             <a:r>
-              <a:rPr lang="ru"/>
-              <a:t>Виды пришельцев </a:t>
+              <a:rPr lang="ru">
+                <a:solidFill>
+                  <a:schemeClr val="lt1"/>
+                </a:solidFill>
+              </a:rPr>
+              <a:t>Бонусные пришельцы</a:t>
             </a:r>
-            <a:endParaRPr/>
+            <a:endParaRPr>
+              <a:solidFill>
+                <a:schemeClr val="lt1"/>
+              </a:solidFill>
+            </a:endParaRPr>
+          </a:p>
+          <a:p>
+            <a:pPr indent="0" lvl="0" marL="0" rtl="0" algn="l">
+              <a:spcBef>
+                <a:spcPts val="0"/>
+              </a:spcBef>
+              <a:spcAft>
+                <a:spcPts val="0"/>
+              </a:spcAft>
+              <a:buClr>
+                <a:schemeClr val="dk1"/>
+              </a:buClr>
+              <a:buSzPct val="39285"/>
+              <a:buFont typeface="Arial"/>
+              <a:buNone/>
+            </a:pPr>
+            <a:r>
+              <a:t/>
+            </a:r>
+            <a:endParaRPr>
+              <a:solidFill>
+                <a:schemeClr val="lt1"/>
+              </a:solidFill>
+            </a:endParaRPr>
+          </a:p>
+          <a:p>
+            <a:pPr indent="0" lvl="0" marL="0" rtl="0" algn="l">
+              <a:spcBef>
+                <a:spcPts val="0"/>
+              </a:spcBef>
+              <a:spcAft>
+                <a:spcPts val="0"/>
+              </a:spcAft>
+              <a:buNone/>
+            </a:pPr>
+            <a:r>
+              <a:t/>
+            </a:r>
+            <a:endParaRPr>
+              <a:solidFill>
+                <a:schemeClr val="lt1"/>
+              </a:solidFill>
+            </a:endParaRPr>
           </a:p>
         </p:txBody>
       </p:sp>
       <p:sp>
         <p:nvSpPr>
-          <p:cNvPr id="97" name="Google Shape;97;p19"/>
+          <p:cNvPr id="100" name="Google Shape;100;p19"/>
           <p:cNvSpPr txBox="1"/>
           <p:nvPr>
             <p:ph idx="1" type="body"/>
@@ -7976,8 +8548,8 @@
         </p:nvSpPr>
         <p:spPr>
           <a:xfrm>
-            <a:off x="311700" y="1152475"/>
-            <a:ext cx="8520600" cy="3416400"/>
+            <a:off x="1662075" y="1249975"/>
+            <a:ext cx="5110500" cy="2921700"/>
           </a:xfrm>
           <a:prstGeom prst="rect">
             <a:avLst/>
@@ -7994,21 +8566,96 @@
                 <a:spcPts val="0"/>
               </a:spcBef>
               <a:spcAft>
-                <a:spcPts val="1200"/>
+                <a:spcPts val="0"/>
               </a:spcAft>
               <a:buNone/>
             </a:pPr>
             <a:r>
-              <a:rPr lang="ru"/>
-              <a:t>Бонусный пришелец</a:t>
+              <a:rPr lang="ru">
+                <a:solidFill>
+                  <a:srgbClr val="EFEFEF"/>
+                </a:solidFill>
+              </a:rPr>
+              <a:t>Кидает чрезвычайно опасную бомбу, которую можно сбить.</a:t>
             </a:r>
-            <a:endParaRPr/>
+            <a:endParaRPr>
+              <a:solidFill>
+                <a:srgbClr val="EFEFEF"/>
+              </a:solidFill>
+            </a:endParaRPr>
+          </a:p>
+          <a:p>
+            <a:pPr indent="0" lvl="0" marL="0" rtl="0" algn="l">
+              <a:spcBef>
+                <a:spcPts val="1200"/>
+              </a:spcBef>
+              <a:spcAft>
+                <a:spcPts val="0"/>
+              </a:spcAft>
+              <a:buNone/>
+            </a:pPr>
+            <a:r>
+              <a:t/>
+            </a:r>
+            <a:endParaRPr>
+              <a:solidFill>
+                <a:srgbClr val="EFEFEF"/>
+              </a:solidFill>
+            </a:endParaRPr>
+          </a:p>
+          <a:p>
+            <a:pPr indent="0" lvl="0" marL="0" rtl="0" algn="l">
+              <a:spcBef>
+                <a:spcPts val="1200"/>
+              </a:spcBef>
+              <a:spcAft>
+                <a:spcPts val="0"/>
+              </a:spcAft>
+              <a:buNone/>
+            </a:pPr>
+            <a:r>
+              <a:rPr lang="ru">
+                <a:solidFill>
+                  <a:srgbClr val="EFEFEF"/>
+                </a:solidFill>
+              </a:rPr>
+              <a:t>Вызывает подкрепление (восстанавливает часть сбитых пришельцев)</a:t>
+            </a:r>
+            <a:endParaRPr>
+              <a:solidFill>
+                <a:srgbClr val="EFEFEF"/>
+              </a:solidFill>
+            </a:endParaRPr>
+          </a:p>
+          <a:p>
+            <a:pPr indent="0" lvl="0" marL="0" rtl="0" algn="l">
+              <a:spcBef>
+                <a:spcPts val="1200"/>
+              </a:spcBef>
+              <a:spcAft>
+                <a:spcPts val="1200"/>
+              </a:spcAft>
+              <a:buNone/>
+            </a:pPr>
+            <a:r>
+              <a:rPr lang="ru">
+                <a:solidFill>
+                  <a:srgbClr val="EFEFEF"/>
+                </a:solidFill>
+              </a:rPr>
+              <a:t>	  </a:t>
+            </a:r>
+            <a:endParaRPr>
+              <a:solidFill>
+                <a:srgbClr val="EFEFEF"/>
+              </a:solidFill>
+            </a:endParaRPr>
           </a:p>
         </p:txBody>
       </p:sp>
       <p:pic>
         <p:nvPicPr>
-          <p:cNvPr id="98" name="Google Shape;98;p19"/>
+          <p:cNvPr id="101" name="Google Shape;101;p19"/>
           <p:cNvPicPr preferRelativeResize="0"/>
           <p:nvPr/>
         </p:nvPicPr>
@@ -8022,8 +8669,8 @@
         </p:blipFill>
         <p:spPr>
           <a:xfrm>
-            <a:off x="350025" y="1656200"/>
-            <a:ext cx="1630350" cy="798850"/>
+            <a:off x="238800" y="1249975"/>
+            <a:ext cx="1331100" cy="652225"/>
           </a:xfrm>
           <a:prstGeom prst="rect">
             <a:avLst/>
@@ -8034,6 +8681,106 @@
           </a:ln>
         </p:spPr>
       </p:pic>
+      <p:pic>
+        <p:nvPicPr>
+          <p:cNvPr id="102" name="Google Shape;102;p19"/>
+          <p:cNvPicPr preferRelativeResize="0"/>
+          <p:nvPr/>
+        </p:nvPicPr>
+        <p:blipFill>
+          <a:blip r:embed="rId4">
+            <a:alphaModFix/>
+          </a:blip>
+          <a:stretch>
+            <a:fillRect/>
+          </a:stretch>
+        </p:blipFill>
+        <p:spPr>
+          <a:xfrm>
+            <a:off x="238825" y="2571750"/>
+            <a:ext cx="1331050" cy="652225"/>
+          </a:xfrm>
+          <a:prstGeom prst="rect">
+            <a:avLst/>
+          </a:prstGeom>
+          <a:noFill/>
+          <a:ln>
+            <a:noFill/>
+          </a:ln>
+        </p:spPr>
+      </p:pic>
+      <p:sp>
+        <p:nvSpPr>
+          <p:cNvPr id="103" name="Google Shape;103;p19"/>
+          <p:cNvSpPr txBox="1"/>
+          <p:nvPr>
+            <p:ph idx="1" type="body"/>
+          </p:nvPr>
+        </p:nvSpPr>
+        <p:spPr>
+          <a:xfrm>
+            <a:off x="436675" y="3453100"/>
+            <a:ext cx="8421900" cy="1436400"/>
+          </a:xfrm>
+          <a:prstGeom prst="rect">
+            <a:avLst/>
+          </a:prstGeom>
+        </p:spPr>
+        <p:txBody>
+          <a:bodyPr anchorCtr="0" anchor="t" bIns="91425" lIns="91425" spcFirstLastPara="1" rIns="91425" wrap="square" tIns="91425">
+            <a:normAutofit/>
+          </a:bodyPr>
+          <a:lstStyle/>
+          <a:p>
+            <a:pPr indent="0" lvl="0" marL="0" rtl="0" algn="l">
+              <a:spcBef>
+                <a:spcPts val="0"/>
+              </a:spcBef>
+              <a:spcAft>
+                <a:spcPts val="0"/>
+              </a:spcAft>
+              <a:buNone/>
+            </a:pPr>
+            <a:r>
+              <a:rPr lang="ru">
+                <a:solidFill>
+                  <a:srgbClr val="EFEFEF"/>
+                </a:solidFill>
+              </a:rPr>
+              <a:t>Пришельцы пролетают на высокой скорости в верхней части экрана. </a:t>
+            </a:r>
+            <a:endParaRPr>
+              <a:solidFill>
+                <a:srgbClr val="EFEFEF"/>
+              </a:solidFill>
+            </a:endParaRPr>
+          </a:p>
+          <a:p>
+            <a:pPr indent="0" lvl="0" marL="0" rtl="0" algn="l">
+              <a:spcBef>
+                <a:spcPts val="1200"/>
+              </a:spcBef>
+              <a:spcAft>
+                <a:spcPts val="1200"/>
+              </a:spcAft>
+              <a:buNone/>
+            </a:pPr>
+            <a:r>
+              <a:rPr lang="ru">
+                <a:solidFill>
+                  <a:srgbClr val="EFEFEF"/>
+                </a:solidFill>
+              </a:rPr>
+              <a:t>За сбитие такого пришельца полагается существенный бонус - крупная сумма очков, мощный апгрейд оружия.</a:t>
+            </a:r>
+            <a:endParaRPr>
+              <a:solidFill>
+                <a:srgbClr val="EFEFEF"/>
+              </a:solidFill>
+            </a:endParaRPr>
+          </a:p>
+        </p:txBody>
+      </p:sp>
     </p:spTree>
   </p:cSld>
   <p:clrMapOvr>
@@ -8047,7 +8794,7 @@
   <p:cSld>
     <p:spTree>
       <p:nvGrpSpPr>
-        <p:cNvPr id="102" name="Shape 102"/>
+        <p:cNvPr id="107" name="Shape 107"/>
         <p:cNvGrpSpPr/>
         <p:nvPr/>
       </p:nvGrpSpPr>
@@ -8061,7 +8808,7 @@
       </p:grpSpPr>
       <p:sp>
         <p:nvSpPr>
-          <p:cNvPr id="103" name="Google Shape;103;p20"/>
+          <p:cNvPr id="108" name="Google Shape;108;p20"/>
           <p:cNvSpPr txBox="1"/>
           <p:nvPr>
             <p:ph type="title"/>
@@ -8092,16 +8839,24 @@
               <a:buNone/>
             </a:pPr>
             <a:r>
-              <a:rPr lang="ru"/>
+              <a:rPr lang="ru">
+                <a:solidFill>
+                  <a:schemeClr val="lt1"/>
+                </a:solidFill>
+              </a:rPr>
               <a:t>Босс</a:t>
             </a:r>
-            <a:endParaRPr/>
+            <a:endParaRPr>
+              <a:solidFill>
+                <a:schemeClr val="lt1"/>
+              </a:solidFill>
+            </a:endParaRPr>
           </a:p>
         </p:txBody>
       </p:sp>
       <p:sp>
         <p:nvSpPr>
-          <p:cNvPr id="104" name="Google Shape;104;p20"/>
+          <p:cNvPr id="109" name="Google Shape;109;p20"/>
           <p:cNvSpPr txBox="1"/>
           <p:nvPr>
             <p:ph idx="1" type="body"/>
@@ -8110,7 +8865,7 @@
         <p:spPr>
           <a:xfrm>
             <a:off x="311700" y="1152475"/>
-            <a:ext cx="8520600" cy="3416400"/>
+            <a:ext cx="4260300" cy="3416400"/>
           </a:xfrm>
           <a:prstGeom prst="rect">
             <a:avLst/>
@@ -8127,21 +8882,101 @@
                 <a:spcPts val="0"/>
               </a:spcBef>
               <a:spcAft>
-                <a:spcPts val="1200"/>
+                <a:spcPts val="0"/>
               </a:spcAft>
               <a:buNone/>
             </a:pPr>
             <a:r>
-              <a:rPr lang="ru"/>
-              <a:t>корабль носитель</a:t>
+              <a:rPr lang="ru">
+                <a:solidFill>
+                  <a:srgbClr val="EFEFEF"/>
+                </a:solidFill>
+              </a:rPr>
+              <a:t>В конце игры, игрока ждёт трудное испытание - это корабль-носитель пришельцев.</a:t>
             </a:r>
-            <a:endParaRPr/>
+            <a:endParaRPr>
+              <a:solidFill>
+                <a:srgbClr val="EFEFEF"/>
+              </a:solidFill>
+            </a:endParaRPr>
+          </a:p>
+          <a:p>
+            <a:pPr indent="0" lvl="0" marL="0" rtl="0" algn="l">
+              <a:spcBef>
+                <a:spcPts val="1200"/>
+              </a:spcBef>
+              <a:spcAft>
+                <a:spcPts val="0"/>
+              </a:spcAft>
+              <a:buNone/>
+            </a:pPr>
+            <a:r>
+              <a:rPr lang="ru">
+                <a:solidFill>
+                  <a:srgbClr val="EFEFEF"/>
+                </a:solidFill>
+              </a:rPr>
+              <a:t>Он обладает большим запасом HP.</a:t>
+            </a:r>
+            <a:endParaRPr>
+              <a:solidFill>
+                <a:srgbClr val="EFEFEF"/>
+              </a:solidFill>
+            </a:endParaRPr>
+          </a:p>
+          <a:p>
+            <a:pPr indent="0" lvl="0" marL="0" rtl="0" algn="l">
+              <a:spcBef>
+                <a:spcPts val="1200"/>
+              </a:spcBef>
+              <a:spcAft>
+                <a:spcPts val="0"/>
+              </a:spcAft>
+              <a:buNone/>
+            </a:pPr>
+            <a:r>
+              <a:rPr lang="ru">
+                <a:solidFill>
+                  <a:srgbClr val="EFEFEF"/>
+                </a:solidFill>
+              </a:rPr>
+              <a:t>Перемещается по экрану, издаёт угрожающие звуки, атакует игрока роем мини-пришельцев.</a:t>
+            </a:r>
+            <a:endParaRPr>
+              <a:solidFill>
+                <a:srgbClr val="EFEFEF"/>
+              </a:solidFill>
+            </a:endParaRPr>
+          </a:p>
+          <a:p>
+            <a:pPr indent="0" lvl="0" marL="0" rtl="0" algn="l">
+              <a:spcBef>
+                <a:spcPts val="1200"/>
+              </a:spcBef>
+              <a:spcAft>
+                <a:spcPts val="1200"/>
+              </a:spcAft>
+              <a:buNone/>
+            </a:pPr>
+            <a:r>
+              <a:rPr lang="ru">
+                <a:solidFill>
+                  <a:srgbClr val="EFEFEF"/>
+                </a:solidFill>
+              </a:rPr>
+              <a:t>Призывает прислужника.</a:t>
+            </a:r>
+            <a:endParaRPr>
+              <a:solidFill>
+                <a:srgbClr val="EFEFEF"/>
+              </a:solidFill>
+            </a:endParaRPr>
           </a:p>
         </p:txBody>
       </p:sp>
       <p:pic>
         <p:nvPicPr>
-          <p:cNvPr id="105" name="Google Shape;105;p20"/>
+          <p:cNvPr id="110" name="Google Shape;110;p20"/>
           <p:cNvPicPr preferRelativeResize="0"/>
           <p:nvPr/>
         </p:nvPicPr>
@@ -8155,8 +8990,232 @@
         </p:blipFill>
         <p:spPr>
           <a:xfrm>
-            <a:off x="4121600" y="573200"/>
+            <a:off x="4572000" y="304200"/>
             <a:ext cx="4421025" cy="1998550"/>
+          </a:xfrm>
+          <a:prstGeom prst="rect">
+            <a:avLst/>
+          </a:prstGeom>
+          <a:noFill/>
+          <a:ln>
+            <a:noFill/>
+          </a:ln>
+        </p:spPr>
+      </p:pic>
+      <p:pic>
+        <p:nvPicPr>
+          <p:cNvPr id="111" name="Google Shape;111;p20"/>
+          <p:cNvPicPr preferRelativeResize="0"/>
+          <p:nvPr/>
+        </p:nvPicPr>
+        <p:blipFill>
+          <a:blip r:embed="rId4">
+            <a:alphaModFix/>
+          </a:blip>
+          <a:stretch>
+            <a:fillRect/>
+          </a:stretch>
+        </p:blipFill>
+        <p:spPr>
+          <a:xfrm>
+            <a:off x="5323350" y="2486975"/>
+            <a:ext cx="455925" cy="354600"/>
+          </a:xfrm>
+          <a:prstGeom prst="rect">
+            <a:avLst/>
+          </a:prstGeom>
+          <a:noFill/>
+          <a:ln>
+            <a:noFill/>
+          </a:ln>
+        </p:spPr>
+      </p:pic>
+      <p:pic>
+        <p:nvPicPr>
+          <p:cNvPr id="112" name="Google Shape;112;p20"/>
+          <p:cNvPicPr preferRelativeResize="0"/>
+          <p:nvPr/>
+        </p:nvPicPr>
+        <p:blipFill>
+          <a:blip r:embed="rId5">
+            <a:alphaModFix/>
+          </a:blip>
+          <a:stretch>
+            <a:fillRect/>
+          </a:stretch>
+        </p:blipFill>
+        <p:spPr>
+          <a:xfrm>
+            <a:off x="6657250" y="3000674"/>
+            <a:ext cx="455925" cy="354601"/>
+          </a:xfrm>
+          <a:prstGeom prst="rect">
+            <a:avLst/>
+          </a:prstGeom>
+          <a:noFill/>
+          <a:ln>
+            <a:noFill/>
+          </a:ln>
+        </p:spPr>
+      </p:pic>
+      <p:pic>
+        <p:nvPicPr>
+          <p:cNvPr id="113" name="Google Shape;113;p20"/>
+          <p:cNvPicPr preferRelativeResize="0"/>
+          <p:nvPr/>
+        </p:nvPicPr>
+        <p:blipFill>
+          <a:blip r:embed="rId6">
+            <a:alphaModFix/>
+          </a:blip>
+          <a:stretch>
+            <a:fillRect/>
+          </a:stretch>
+        </p:blipFill>
+        <p:spPr>
+          <a:xfrm>
+            <a:off x="8018600" y="3582549"/>
+            <a:ext cx="455925" cy="354601"/>
+          </a:xfrm>
+          <a:prstGeom prst="rect">
+            <a:avLst/>
+          </a:prstGeom>
+          <a:noFill/>
+          <a:ln>
+            <a:noFill/>
+          </a:ln>
+        </p:spPr>
+      </p:pic>
+      <p:pic>
+        <p:nvPicPr>
+          <p:cNvPr id="114" name="Google Shape;114;p20"/>
+          <p:cNvPicPr preferRelativeResize="0"/>
+          <p:nvPr/>
+        </p:nvPicPr>
+        <p:blipFill>
+          <a:blip r:embed="rId7">
+            <a:alphaModFix/>
+          </a:blip>
+          <a:stretch>
+            <a:fillRect/>
+          </a:stretch>
+        </p:blipFill>
+        <p:spPr>
+          <a:xfrm>
+            <a:off x="7853925" y="2571749"/>
+            <a:ext cx="455925" cy="354601"/>
+          </a:xfrm>
+          <a:prstGeom prst="rect">
+            <a:avLst/>
+          </a:prstGeom>
+          <a:noFill/>
+          <a:ln>
+            <a:noFill/>
+          </a:ln>
+        </p:spPr>
+      </p:pic>
+      <p:pic>
+        <p:nvPicPr>
+          <p:cNvPr id="115" name="Google Shape;115;p20"/>
+          <p:cNvPicPr preferRelativeResize="0"/>
+          <p:nvPr/>
+        </p:nvPicPr>
+        <p:blipFill>
+          <a:blip r:embed="rId8">
+            <a:alphaModFix/>
+          </a:blip>
+          <a:stretch>
+            <a:fillRect/>
+          </a:stretch>
+        </p:blipFill>
+        <p:spPr>
+          <a:xfrm>
+            <a:off x="5740550" y="4136974"/>
+            <a:ext cx="455925" cy="354601"/>
+          </a:xfrm>
+          <a:prstGeom prst="rect">
+            <a:avLst/>
+          </a:prstGeom>
+          <a:noFill/>
+          <a:ln>
+            <a:noFill/>
+          </a:ln>
+        </p:spPr>
+      </p:pic>
+      <p:pic>
+        <p:nvPicPr>
+          <p:cNvPr id="116" name="Google Shape;116;p20"/>
+          <p:cNvPicPr preferRelativeResize="0"/>
+          <p:nvPr/>
+        </p:nvPicPr>
+        <p:blipFill>
+          <a:blip r:embed="rId9">
+            <a:alphaModFix/>
+          </a:blip>
+          <a:stretch>
+            <a:fillRect/>
+          </a:stretch>
+        </p:blipFill>
+        <p:spPr>
+          <a:xfrm>
+            <a:off x="6870925" y="4085825"/>
+            <a:ext cx="28575" cy="171450"/>
+          </a:xfrm>
+          <a:prstGeom prst="rect">
+            <a:avLst/>
+          </a:prstGeom>
+          <a:noFill/>
+          <a:ln>
+            <a:noFill/>
+          </a:ln>
+        </p:spPr>
+      </p:pic>
+      <p:pic>
+        <p:nvPicPr>
+          <p:cNvPr id="117" name="Google Shape;117;p20"/>
+          <p:cNvPicPr preferRelativeResize="0"/>
+          <p:nvPr/>
+        </p:nvPicPr>
+        <p:blipFill>
+          <a:blip r:embed="rId10">
+            <a:alphaModFix/>
+          </a:blip>
+          <a:stretch>
+            <a:fillRect/>
+          </a:stretch>
+        </p:blipFill>
+        <p:spPr>
+          <a:xfrm>
+            <a:off x="5513200" y="3355275"/>
+            <a:ext cx="76200" cy="95250"/>
+          </a:xfrm>
+          <a:prstGeom prst="rect">
+            <a:avLst/>
+          </a:prstGeom>
+          <a:noFill/>
+          <a:ln>
+            <a:noFill/>
+          </a:ln>
+        </p:spPr>
+      </p:pic>
+      <p:pic>
+        <p:nvPicPr>
+          <p:cNvPr id="118" name="Google Shape;118;p20"/>
+          <p:cNvPicPr preferRelativeResize="0"/>
+          <p:nvPr/>
+        </p:nvPicPr>
+        <p:blipFill>
+          <a:blip r:embed="rId11">
+            <a:alphaModFix/>
+          </a:blip>
+          <a:stretch>
+            <a:fillRect/>
+          </a:stretch>
+        </p:blipFill>
+        <p:spPr>
+          <a:xfrm>
+            <a:off x="4020525" y="3799636"/>
+            <a:ext cx="1492675" cy="798725"/>
           </a:xfrm>
           <a:prstGeom prst="rect">
             <a:avLst/>
@@ -8180,7 +9239,7 @@
   <p:cSld>
     <p:spTree>
       <p:nvGrpSpPr>
-        <p:cNvPr id="109" name="Shape 109"/>
+        <p:cNvPr id="122" name="Shape 122"/>
         <p:cNvGrpSpPr/>
         <p:nvPr/>
       </p:nvGrpSpPr>
@@ -8194,7 +9253,7 @@
       </p:grpSpPr>
       <p:sp>
         <p:nvSpPr>
-          <p:cNvPr id="110" name="Google Shape;110;p21"/>
+          <p:cNvPr id="123" name="Google Shape;123;p21"/>
           <p:cNvSpPr txBox="1"/>
           <p:nvPr>
             <p:ph type="title"/>
@@ -8225,16 +9284,24 @@
               <a:buNone/>
             </a:pPr>
             <a:r>
-              <a:rPr lang="ru"/>
-              <a:t>Game over</a:t>
+              <a:rPr lang="ru">
+                <a:solidFill>
+                  <a:schemeClr val="lt1"/>
+                </a:solidFill>
+              </a:rPr>
+              <a:t>Таблица рекордов</a:t>
             </a:r>
-            <a:endParaRPr/>
+            <a:endParaRPr>
+              <a:solidFill>
+                <a:schemeClr val="lt1"/>
+              </a:solidFill>
+            </a:endParaRPr>
           </a:p>
         </p:txBody>
       </p:sp>
       <p:sp>
         <p:nvSpPr>
-          <p:cNvPr id="111" name="Google Shape;111;p21"/>
+          <p:cNvPr id="124" name="Google Shape;124;p21"/>
           <p:cNvSpPr txBox="1"/>
           <p:nvPr>
             <p:ph idx="1" type="body"/>
@@ -8260,45 +9327,50 @@
                 <a:spcPts val="0"/>
               </a:spcBef>
               <a:spcAft>
-                <a:spcPts val="1200"/>
+                <a:spcPts val="0"/>
               </a:spcAft>
               <a:buNone/>
             </a:pPr>
             <a:r>
-              <a:t/>
+              <a:rPr lang="ru">
+                <a:solidFill>
+                  <a:srgbClr val="EFEFEF"/>
+                </a:solidFill>
+              </a:rPr>
+              <a:t>В игре ведётся подсчёт очков каждого игрока. </a:t>
             </a:r>
-            <a:endParaRPr/>
+            <a:endParaRPr>
+              <a:solidFill>
+                <a:srgbClr val="EFEFEF"/>
+              </a:solidFill>
+            </a:endParaRPr>
+          </a:p>
+          <a:p>
+            <a:pPr indent="0" lvl="0" marL="0" rtl="0" algn="l">
+              <a:spcBef>
+                <a:spcPts val="1200"/>
+              </a:spcBef>
+              <a:spcAft>
+                <a:spcPts val="1200"/>
+              </a:spcAft>
+              <a:buNone/>
+            </a:pPr>
+            <a:r>
+              <a:rPr lang="ru">
+                <a:solidFill>
+                  <a:srgbClr val="EFEFEF"/>
+                </a:solidFill>
+              </a:rPr>
+              <a:t>На экране завершения можно ввести своё имя и сохранить свой результат в таблицу рекордов</a:t>
+            </a:r>
+            <a:endParaRPr>
+              <a:solidFill>
+                <a:srgbClr val="EFEFEF"/>
+              </a:solidFill>
+            </a:endParaRPr>
           </a:p>
         </p:txBody>
       </p:sp>
-      <p:pic>
-        <p:nvPicPr>
-          <p:cNvPr id="112" name="Google Shape;112;p21"/>
-          <p:cNvPicPr preferRelativeResize="0"/>
-          <p:nvPr/>
-        </p:nvPicPr>
-        <p:blipFill>
-          <a:blip r:embed="rId3">
-            <a:alphaModFix/>
-          </a:blip>
-          <a:stretch>
-            <a:fillRect/>
-          </a:stretch>
-        </p:blipFill>
-        <p:spPr>
-          <a:xfrm>
-            <a:off x="4717325" y="761950"/>
-            <a:ext cx="4114975" cy="4018150"/>
-          </a:xfrm>
-          <a:prstGeom prst="rect">
-            <a:avLst/>
-          </a:prstGeom>
-          <a:noFill/>
-          <a:ln>
-            <a:noFill/>
-          </a:ln>
-        </p:spPr>
-      </p:pic>
     </p:spTree>
   </p:cSld>
   <p:clrMapOvr>
